--- a/New Microsoft PowerPoint Presentation (2).pptx
+++ b/New Microsoft PowerPoint Presentation (2).pptx
@@ -5,7 +5,7 @@
     <p:sldMasterId id="2147483690" r:id="rId1"/>
   </p:sldMasterIdLst>
   <p:notesMasterIdLst>
-    <p:notesMasterId r:id="rId22"/>
+    <p:notesMasterId r:id="rId23"/>
   </p:notesMasterIdLst>
   <p:sldIdLst>
     <p:sldId id="256" r:id="rId2"/>
@@ -28,6 +28,7 @@
     <p:sldId id="278" r:id="rId19"/>
     <p:sldId id="279" r:id="rId20"/>
     <p:sldId id="280" r:id="rId21"/>
+    <p:sldId id="281" r:id="rId22"/>
   </p:sldIdLst>
   <p:sldSz cx="12192000" cy="6858000"/>
   <p:notesSz cx="6858000" cy="9144000"/>
@@ -11908,6 +11909,159 @@
     <p:extLst>
       <p:ext uri="{BB962C8B-B14F-4D97-AF65-F5344CB8AC3E}">
         <p14:creationId xmlns:p14="http://schemas.microsoft.com/office/powerpoint/2010/main" val="247600214"/>
+      </p:ext>
+    </p:extLst>
+  </p:cSld>
+  <p:clrMapOvr>
+    <a:masterClrMapping/>
+  </p:clrMapOvr>
+</p:sld>
+</file>
+
+<file path=ppt/slides/slide21.xml><?xml version="1.0" encoding="utf-8"?>
+<p:sld xmlns:a="http://schemas.openxmlformats.org/drawingml/2006/main" xmlns:r="http://schemas.openxmlformats.org/officeDocument/2006/relationships" xmlns:p="http://schemas.openxmlformats.org/presentationml/2006/main">
+  <p:cSld>
+    <p:spTree>
+      <p:nvGrpSpPr>
+        <p:cNvPr id="1" name=""/>
+        <p:cNvGrpSpPr/>
+        <p:nvPr/>
+      </p:nvGrpSpPr>
+      <p:grpSpPr>
+        <a:xfrm>
+          <a:off x="0" y="0"/>
+          <a:ext cx="0" cy="0"/>
+          <a:chOff x="0" y="0"/>
+          <a:chExt cx="0" cy="0"/>
+        </a:xfrm>
+      </p:grpSpPr>
+      <p:sp>
+        <p:nvSpPr>
+          <p:cNvPr id="2" name="TextBox 1">
+            <a:extLst>
+              <a:ext uri="{FF2B5EF4-FFF2-40B4-BE49-F238E27FC236}">
+                <a16:creationId xmlns:a16="http://schemas.microsoft.com/office/drawing/2014/main" id="{DA53984B-04A1-0A85-F718-B6251FF5F7CF}"/>
+              </a:ext>
+            </a:extLst>
+          </p:cNvPr>
+          <p:cNvSpPr txBox="1"/>
+          <p:nvPr/>
+        </p:nvSpPr>
+        <p:spPr>
+          <a:xfrm>
+            <a:off x="2400300" y="957262"/>
+            <a:ext cx="5586414" cy="923330"/>
+          </a:xfrm>
+          <a:prstGeom prst="rect">
+            <a:avLst/>
+          </a:prstGeom>
+          <a:noFill/>
+        </p:spPr>
+        <p:txBody>
+          <a:bodyPr wrap="square" rtlCol="0">
+            <a:spAutoFit/>
+          </a:bodyPr>
+          <a:lstStyle/>
+          <a:p>
+            <a:r>
+              <a:rPr lang="en-US" sz="5400" dirty="0">
+                <a:latin typeface="Times New Roman" panose="02020603050405020304" pitchFamily="18" charset="0"/>
+                <a:cs typeface="Times New Roman" panose="02020603050405020304" pitchFamily="18" charset="0"/>
+              </a:rPr>
+              <a:t>       THE END</a:t>
+            </a:r>
+          </a:p>
+        </p:txBody>
+      </p:sp>
+      <p:sp>
+        <p:nvSpPr>
+          <p:cNvPr id="3" name="TextBox 2">
+            <a:extLst>
+              <a:ext uri="{FF2B5EF4-FFF2-40B4-BE49-F238E27FC236}">
+                <a16:creationId xmlns:a16="http://schemas.microsoft.com/office/drawing/2014/main" id="{47D68F9B-E0CB-EAC3-0612-DBF10FC9A906}"/>
+              </a:ext>
+            </a:extLst>
+          </p:cNvPr>
+          <p:cNvSpPr txBox="1"/>
+          <p:nvPr/>
+        </p:nvSpPr>
+        <p:spPr>
+          <a:xfrm flipH="1">
+            <a:off x="727656" y="3429000"/>
+            <a:ext cx="3772907" cy="769441"/>
+          </a:xfrm>
+          <a:prstGeom prst="rect">
+            <a:avLst/>
+          </a:prstGeom>
+          <a:noFill/>
+        </p:spPr>
+        <p:txBody>
+          <a:bodyPr wrap="square" rtlCol="0">
+            <a:spAutoFit/>
+          </a:bodyPr>
+          <a:lstStyle/>
+          <a:p>
+            <a:r>
+              <a:rPr lang="en-US" sz="4400" dirty="0">
+                <a:latin typeface="Times New Roman" panose="02020603050405020304" pitchFamily="18" charset="0"/>
+                <a:cs typeface="Times New Roman" panose="02020603050405020304" pitchFamily="18" charset="0"/>
+              </a:rPr>
+              <a:t>Any Questions?</a:t>
+            </a:r>
+          </a:p>
+        </p:txBody>
+      </p:sp>
+      <p:pic>
+        <p:nvPicPr>
+          <p:cNvPr id="1026" name="Picture 2" descr="K103 Portland | K103 Mornings ...">
+            <a:extLst>
+              <a:ext uri="{FF2B5EF4-FFF2-40B4-BE49-F238E27FC236}">
+                <a16:creationId xmlns:a16="http://schemas.microsoft.com/office/drawing/2014/main" id="{1E7EE6AB-EC8D-9C63-05C2-8C4C6EF3F73B}"/>
+              </a:ext>
+            </a:extLst>
+          </p:cNvPr>
+          <p:cNvPicPr>
+            <a:picLocks noChangeAspect="1" noChangeArrowheads="1"/>
+          </p:cNvPicPr>
+          <p:nvPr/>
+        </p:nvPicPr>
+        <p:blipFill>
+          <a:blip r:embed="rId2">
+            <a:extLst>
+              <a:ext uri="{28A0092B-C50C-407E-A947-70E740481C1C}">
+                <a14:useLocalDpi xmlns:a14="http://schemas.microsoft.com/office/drawing/2010/main" val="0"/>
+              </a:ext>
+            </a:extLst>
+          </a:blip>
+          <a:srcRect/>
+          <a:stretch>
+            <a:fillRect/>
+          </a:stretch>
+        </p:blipFill>
+        <p:spPr bwMode="auto">
+          <a:xfrm>
+            <a:off x="4585692" y="2583953"/>
+            <a:ext cx="3439122" cy="3228975"/>
+          </a:xfrm>
+          <a:prstGeom prst="rect">
+            <a:avLst/>
+          </a:prstGeom>
+          <a:noFill/>
+          <a:extLst>
+            <a:ext uri="{909E8E84-426E-40DD-AFC4-6F175D3DCCD1}">
+              <a14:hiddenFill xmlns:a14="http://schemas.microsoft.com/office/drawing/2010/main">
+                <a:solidFill>
+                  <a:srgbClr val="FFFFFF"/>
+                </a:solidFill>
+              </a14:hiddenFill>
+            </a:ext>
+          </a:extLst>
+        </p:spPr>
+      </p:pic>
+    </p:spTree>
+    <p:extLst>
+      <p:ext uri="{BB962C8B-B14F-4D97-AF65-F5344CB8AC3E}">
+        <p14:creationId xmlns:p14="http://schemas.microsoft.com/office/powerpoint/2010/main" val="1795049816"/>
       </p:ext>
     </p:extLst>
   </p:cSld>
